--- a/Slides/final_presentation.pptx
+++ b/Slides/final_presentation.pptx
@@ -129,7 +129,7 @@
   </p:defaultTextStyle>
   <p:extLst>
     <p:ext uri="{EFAFB233-063F-42B5-8137-9DF3F51BA10A}">
-      <p15:sldGuideLst xmlns:p15="http://schemas.microsoft.com/office/powerpoint/2012/main" xmlns="">
+      <p15:sldGuideLst xmlns="" xmlns:p15="http://schemas.microsoft.com/office/powerpoint/2012/main">
         <p15:guide id="1" orient="horz" pos="2160">
           <p15:clr>
             <a:srgbClr val="A4A3A4"/>
@@ -143,7 +143,7 @@
       </p15:sldGuideLst>
     </p:ext>
     <p:ext uri="{2D200454-40CA-4A62-9FC3-DE9A4176ACB9}">
-      <p15:notesGuideLst xmlns:p15="http://schemas.microsoft.com/office/powerpoint/2012/main" xmlns=""/>
+      <p15:notesGuideLst xmlns="" xmlns:p15="http://schemas.microsoft.com/office/powerpoint/2012/main"/>
     </p:ext>
   </p:extLst>
 </p:presentation>
@@ -6731,7 +6731,7 @@
   </p:txStyles>
   <p:extLst mod="1">
     <p:ext uri="{27BBF7A9-308A-43DC-89C8-2F10F3537804}">
-      <p15:sldGuideLst xmlns:p15="http://schemas.microsoft.com/office/powerpoint/2012/main" xmlns="">
+      <p15:sldGuideLst xmlns="" xmlns:p15="http://schemas.microsoft.com/office/powerpoint/2012/main">
         <p15:guide id="1" pos="3840" userDrawn="1">
           <p15:clr>
             <a:srgbClr val="F26B43"/>
@@ -7868,14 +7868,14 @@
                 <a:gridCol w="1524000">
                   <a:extLst>
                     <a:ext uri="{9D8B030D-6E8A-4147-A177-3AD203B41FA5}">
-                      <a16:colId xmlns:a16="http://schemas.microsoft.com/office/drawing/2014/main" xmlns="" val="20000"/>
+                      <a16:colId xmlns="" xmlns:a16="http://schemas.microsoft.com/office/drawing/2014/main" val="20000"/>
                     </a:ext>
                   </a:extLst>
                 </a:gridCol>
                 <a:gridCol w="1600200">
                   <a:extLst>
                     <a:ext uri="{9D8B030D-6E8A-4147-A177-3AD203B41FA5}">
-                      <a16:colId xmlns:a16="http://schemas.microsoft.com/office/drawing/2014/main" xmlns="" val="20001"/>
+                      <a16:colId xmlns="" xmlns:a16="http://schemas.microsoft.com/office/drawing/2014/main" val="20001"/>
                     </a:ext>
                   </a:extLst>
                 </a:gridCol>
@@ -7921,7 +7921,7 @@
                 </a:tc>
                 <a:extLst>
                   <a:ext uri="{0D108BD9-81ED-4DB2-BD59-A6C34878D82A}">
-                    <a16:rowId xmlns:a16="http://schemas.microsoft.com/office/drawing/2014/main" xmlns="" val="10000"/>
+                    <a16:rowId xmlns="" xmlns:a16="http://schemas.microsoft.com/office/drawing/2014/main" val="10000"/>
                   </a:ext>
                 </a:extLst>
               </a:tr>
@@ -7966,7 +7966,7 @@
                 </a:tc>
                 <a:extLst>
                   <a:ext uri="{0D108BD9-81ED-4DB2-BD59-A6C34878D82A}">
-                    <a16:rowId xmlns:a16="http://schemas.microsoft.com/office/drawing/2014/main" xmlns="" val="10001"/>
+                    <a16:rowId xmlns="" xmlns:a16="http://schemas.microsoft.com/office/drawing/2014/main" val="10001"/>
                   </a:ext>
                 </a:extLst>
               </a:tr>
@@ -8046,14 +8046,14 @@
                 <a:gridCol w="1524000">
                   <a:extLst>
                     <a:ext uri="{9D8B030D-6E8A-4147-A177-3AD203B41FA5}">
-                      <a16:colId xmlns:a16="http://schemas.microsoft.com/office/drawing/2014/main" xmlns="" val="20000"/>
+                      <a16:colId xmlns="" xmlns:a16="http://schemas.microsoft.com/office/drawing/2014/main" val="20000"/>
                     </a:ext>
                   </a:extLst>
                 </a:gridCol>
                 <a:gridCol w="1600200">
                   <a:extLst>
                     <a:ext uri="{9D8B030D-6E8A-4147-A177-3AD203B41FA5}">
-                      <a16:colId xmlns:a16="http://schemas.microsoft.com/office/drawing/2014/main" xmlns="" val="20001"/>
+                      <a16:colId xmlns="" xmlns:a16="http://schemas.microsoft.com/office/drawing/2014/main" val="20001"/>
                     </a:ext>
                   </a:extLst>
                 </a:gridCol>
@@ -8099,7 +8099,7 @@
                 </a:tc>
                 <a:extLst>
                   <a:ext uri="{0D108BD9-81ED-4DB2-BD59-A6C34878D82A}">
-                    <a16:rowId xmlns:a16="http://schemas.microsoft.com/office/drawing/2014/main" xmlns="" val="10000"/>
+                    <a16:rowId xmlns="" xmlns:a16="http://schemas.microsoft.com/office/drawing/2014/main" val="10000"/>
                   </a:ext>
                 </a:extLst>
               </a:tr>
@@ -8846,7 +8846,7 @@
         <p:spPr>
           <a:xfrm>
             <a:off x="838200" y="1524000"/>
-            <a:ext cx="10668000" cy="4031873"/>
+            <a:ext cx="10668000" cy="3785652"/>
           </a:xfrm>
           <a:prstGeom prst="rect">
             <a:avLst/>
@@ -8864,10 +8864,12 @@
               <a:buChar char="•"/>
             </a:pPr>
             <a:r>
-              <a:rPr lang="en-US" sz="3200" dirty="0">
+              <a:rPr lang="en-US" sz="3000" dirty="0">
                 <a:solidFill>
                   <a:schemeClr val="bg1"/>
                 </a:solidFill>
+                <a:latin typeface="Helvetica"/>
+                <a:cs typeface="Helvetica"/>
               </a:rPr>
               <a:t>Affordable Rental Housing Developments</a:t>
             </a:r>
@@ -8878,10 +8880,12 @@
               <a:buChar char="•"/>
             </a:pPr>
             <a:r>
-              <a:rPr lang="en-US" sz="3200" dirty="0">
+              <a:rPr lang="en-US" sz="3000" dirty="0">
                 <a:solidFill>
                   <a:schemeClr val="bg1"/>
                 </a:solidFill>
+                <a:latin typeface="Helvetica"/>
+                <a:cs typeface="Helvetica"/>
               </a:rPr>
               <a:t>Census Data – Selected socioeconomic indicators</a:t>
             </a:r>
@@ -8892,10 +8896,12 @@
               <a:buChar char="•"/>
             </a:pPr>
             <a:r>
-              <a:rPr lang="en-US" sz="3200" dirty="0">
+              <a:rPr lang="en-US" sz="3000" dirty="0">
                 <a:solidFill>
                   <a:schemeClr val="bg1"/>
                 </a:solidFill>
+                <a:latin typeface="Helvetica"/>
+                <a:cs typeface="Helvetica"/>
               </a:rPr>
               <a:t>Average Electricity Usage per Square Foot</a:t>
             </a:r>
@@ -8906,10 +8912,12 @@
               <a:buChar char="•"/>
             </a:pPr>
             <a:r>
-              <a:rPr lang="en-US" sz="3200" dirty="0">
+              <a:rPr lang="en-US" sz="3000" dirty="0">
                 <a:solidFill>
                   <a:schemeClr val="bg1"/>
                 </a:solidFill>
+                <a:latin typeface="Helvetica"/>
+                <a:cs typeface="Helvetica"/>
               </a:rPr>
               <a:t>Average Gas Usage</a:t>
             </a:r>
@@ -8920,10 +8928,12 @@
               <a:buChar char="•"/>
             </a:pPr>
             <a:r>
-              <a:rPr lang="en-US" sz="3200" dirty="0">
+              <a:rPr lang="en-US" sz="3000" dirty="0">
                 <a:solidFill>
                   <a:schemeClr val="bg1"/>
                 </a:solidFill>
+                <a:latin typeface="Helvetica"/>
+                <a:cs typeface="Helvetica"/>
               </a:rPr>
               <a:t>Public Health Statistics</a:t>
             </a:r>
@@ -8934,10 +8944,12 @@
               <a:buChar char="•"/>
             </a:pPr>
             <a:r>
-              <a:rPr lang="en-US" sz="3200" dirty="0">
+              <a:rPr lang="en-US" sz="3000" dirty="0">
                 <a:solidFill>
                   <a:schemeClr val="bg1"/>
                 </a:solidFill>
+                <a:latin typeface="Helvetica"/>
+                <a:cs typeface="Helvetica"/>
               </a:rPr>
               <a:t>Vacant Properties</a:t>
             </a:r>
@@ -8948,10 +8960,12 @@
               <a:buChar char="•"/>
             </a:pPr>
             <a:r>
-              <a:rPr lang="en-US" sz="3200" dirty="0">
+              <a:rPr lang="en-US" sz="3000" dirty="0">
                 <a:solidFill>
                   <a:schemeClr val="bg1"/>
                 </a:solidFill>
+                <a:latin typeface="Helvetica"/>
+                <a:cs typeface="Helvetica"/>
               </a:rPr>
               <a:t>Graffiti Removal</a:t>
             </a:r>
@@ -8962,10 +8976,12 @@
               <a:buChar char="•"/>
             </a:pPr>
             <a:r>
-              <a:rPr lang="en-US" sz="3200" dirty="0">
+              <a:rPr lang="en-US" sz="3000" dirty="0">
                 <a:solidFill>
                   <a:schemeClr val="bg1"/>
                 </a:solidFill>
+                <a:latin typeface="Helvetica"/>
+                <a:cs typeface="Helvetica"/>
               </a:rPr>
               <a:t>2010 Census Data</a:t>
             </a:r>
@@ -9925,7 +9941,7 @@
   <a:extraClrSchemeLst/>
   <a:extLst>
     <a:ext uri="{05A4C25C-085E-4340-85A3-A5531E510DB2}">
-      <thm15:themeFamily xmlns:thm15="http://schemas.microsoft.com/office/thememl/2012/main" xmlns="" name="TF00001123.potx" id="{55B65C5C-2110-41C9-9432-67D739EC5CFC}" vid="{FDE12540-4521-4F30-863D-D54DD2EE1C3B}"/>
+      <thm15:themeFamily xmlns="" xmlns:thm15="http://schemas.microsoft.com/office/thememl/2012/main" name="TF00001123.potx" id="{55B65C5C-2110-41C9-9432-67D739EC5CFC}" vid="{FDE12540-4521-4F30-863D-D54DD2EE1C3B}"/>
     </a:ext>
   </a:extLst>
 </a:theme>
@@ -10506,7 +10522,7 @@
   <a:extraClrSchemeLst/>
   <a:extLst>
     <a:ext uri="{05A4C25C-085E-4340-85A3-A5531E510DB2}">
-      <thm15:themeFamily xmlns:thm15="http://schemas.microsoft.com/office/thememl/2012/main" xmlns="" name="Office Theme" id="{62F939B6-93AF-4DB8-9C6B-D6C7DFDC589F}" vid="{4A3C46E8-61CC-4603-A589-7422A47A8E4A}"/>
+      <thm15:themeFamily xmlns="" xmlns:thm15="http://schemas.microsoft.com/office/thememl/2012/main" name="Office Theme" id="{62F939B6-93AF-4DB8-9C6B-D6C7DFDC589F}" vid="{4A3C46E8-61CC-4603-A589-7422A47A8E4A}"/>
     </a:ext>
   </a:extLst>
 </a:theme>
@@ -10767,7 +10783,7 @@
   <a:extraClrSchemeLst/>
   <a:extLst>
     <a:ext uri="{05A4C25C-085E-4340-85A3-A5531E510DB2}">
-      <thm15:themeFamily xmlns:thm15="http://schemas.microsoft.com/office/thememl/2012/main" xmlns="" name="Office Theme" id="{62F939B6-93AF-4DB8-9C6B-D6C7DFDC589F}" vid="{4A3C46E8-61CC-4603-A589-7422A47A8E4A}"/>
+      <thm15:themeFamily xmlns="" xmlns:thm15="http://schemas.microsoft.com/office/thememl/2012/main" name="Office Theme" id="{62F939B6-93AF-4DB8-9C6B-D6C7DFDC589F}" vid="{4A3C46E8-61CC-4603-A589-7422A47A8E4A}"/>
     </a:ext>
   </a:extLst>
 </a:theme>
